--- a/R_crash_course/kailing_ibrc_introR.pptx
+++ b/R_crash_course/kailing_ibrc_introR.pptx
@@ -212,7 +212,7 @@
           <a:p>
             <a:fld id="{0A381423-7C25-E047-8AE4-A3A81E6D513F}" type="datetimeFigureOut">
               <a:rPr lang="en-US" smtClean="0"/>
-              <a:t>8/3/22</a:t>
+              <a:t>8/5/22</a:t>
             </a:fld>
             <a:endParaRPr lang="en-US"/>
           </a:p>
@@ -962,7 +962,7 @@
           <a:p>
             <a:fld id="{D3ED8370-B95B-4247-9EB4-98FF5BDAA612}" type="datetimeFigureOut">
               <a:rPr lang="en-US" smtClean="0"/>
-              <a:t>8/3/22</a:t>
+              <a:t>8/5/22</a:t>
             </a:fld>
             <a:endParaRPr lang="en-US"/>
           </a:p>
@@ -1160,7 +1160,7 @@
           <a:p>
             <a:fld id="{D3ED8370-B95B-4247-9EB4-98FF5BDAA612}" type="datetimeFigureOut">
               <a:rPr lang="en-US" smtClean="0"/>
-              <a:t>8/3/22</a:t>
+              <a:t>8/5/22</a:t>
             </a:fld>
             <a:endParaRPr lang="en-US"/>
           </a:p>
@@ -1368,7 +1368,7 @@
           <a:p>
             <a:fld id="{D3ED8370-B95B-4247-9EB4-98FF5BDAA612}" type="datetimeFigureOut">
               <a:rPr lang="en-US" smtClean="0"/>
-              <a:t>8/3/22</a:t>
+              <a:t>8/5/22</a:t>
             </a:fld>
             <a:endParaRPr lang="en-US"/>
           </a:p>
@@ -1566,7 +1566,7 @@
           <a:p>
             <a:fld id="{D3ED8370-B95B-4247-9EB4-98FF5BDAA612}" type="datetimeFigureOut">
               <a:rPr lang="en-US" smtClean="0"/>
-              <a:t>8/3/22</a:t>
+              <a:t>8/5/22</a:t>
             </a:fld>
             <a:endParaRPr lang="en-US"/>
           </a:p>
@@ -1841,7 +1841,7 @@
           <a:p>
             <a:fld id="{D3ED8370-B95B-4247-9EB4-98FF5BDAA612}" type="datetimeFigureOut">
               <a:rPr lang="en-US" smtClean="0"/>
-              <a:t>8/3/22</a:t>
+              <a:t>8/5/22</a:t>
             </a:fld>
             <a:endParaRPr lang="en-US"/>
           </a:p>
@@ -2106,7 +2106,7 @@
           <a:p>
             <a:fld id="{D3ED8370-B95B-4247-9EB4-98FF5BDAA612}" type="datetimeFigureOut">
               <a:rPr lang="en-US" smtClean="0"/>
-              <a:t>8/3/22</a:t>
+              <a:t>8/5/22</a:t>
             </a:fld>
             <a:endParaRPr lang="en-US"/>
           </a:p>
@@ -2518,7 +2518,7 @@
           <a:p>
             <a:fld id="{D3ED8370-B95B-4247-9EB4-98FF5BDAA612}" type="datetimeFigureOut">
               <a:rPr lang="en-US" smtClean="0"/>
-              <a:t>8/3/22</a:t>
+              <a:t>8/5/22</a:t>
             </a:fld>
             <a:endParaRPr lang="en-US"/>
           </a:p>
@@ -2659,7 +2659,7 @@
           <a:p>
             <a:fld id="{D3ED8370-B95B-4247-9EB4-98FF5BDAA612}" type="datetimeFigureOut">
               <a:rPr lang="en-US" smtClean="0"/>
-              <a:t>8/3/22</a:t>
+              <a:t>8/5/22</a:t>
             </a:fld>
             <a:endParaRPr lang="en-US"/>
           </a:p>
@@ -2772,7 +2772,7 @@
           <a:p>
             <a:fld id="{D3ED8370-B95B-4247-9EB4-98FF5BDAA612}" type="datetimeFigureOut">
               <a:rPr lang="en-US" smtClean="0"/>
-              <a:t>8/3/22</a:t>
+              <a:t>8/5/22</a:t>
             </a:fld>
             <a:endParaRPr lang="en-US"/>
           </a:p>
@@ -3083,7 +3083,7 @@
           <a:p>
             <a:fld id="{D3ED8370-B95B-4247-9EB4-98FF5BDAA612}" type="datetimeFigureOut">
               <a:rPr lang="en-US" smtClean="0"/>
-              <a:t>8/3/22</a:t>
+              <a:t>8/5/22</a:t>
             </a:fld>
             <a:endParaRPr lang="en-US"/>
           </a:p>
@@ -3371,7 +3371,7 @@
           <a:p>
             <a:fld id="{D3ED8370-B95B-4247-9EB4-98FF5BDAA612}" type="datetimeFigureOut">
               <a:rPr lang="en-US" smtClean="0"/>
-              <a:t>8/3/22</a:t>
+              <a:t>8/5/22</a:t>
             </a:fld>
             <a:endParaRPr lang="en-US"/>
           </a:p>
@@ -3612,7 +3612,7 @@
           <a:p>
             <a:fld id="{D3ED8370-B95B-4247-9EB4-98FF5BDAA612}" type="datetimeFigureOut">
               <a:rPr lang="en-US" smtClean="0"/>
-              <a:t>8/3/22</a:t>
+              <a:t>8/5/22</a:t>
             </a:fld>
             <a:endParaRPr lang="en-US"/>
           </a:p>
@@ -4147,7 +4147,7 @@
         <p:spPr/>
         <p:txBody>
           <a:bodyPr>
-            <a:normAutofit lnSpcReduction="10000"/>
+            <a:normAutofit/>
           </a:bodyPr>
           <a:lstStyle/>
           <a:p>
@@ -4180,13 +4180,6 @@
             <a:r>
               <a:rPr lang="en-US" dirty="0"/>
               <a:t>This is helpful for analyses, but can be kind of annoying if you want to make a change in your data</a:t>
-            </a:r>
-          </a:p>
-          <a:p>
-            <a:pPr lvl="1"/>
-            <a:r>
-              <a:rPr lang="en-US" b="1" i="1" dirty="0"/>
-              <a:t>(Switch to console)</a:t>
             </a:r>
           </a:p>
         </p:txBody>
@@ -4264,6 +4257,9 @@
             </a:r>
           </a:p>
           <a:p>
+            <a:endParaRPr lang="en-US" dirty="0"/>
+          </a:p>
+          <a:p>
             <a:r>
               <a:rPr lang="en-US" dirty="0"/>
               <a:t>Both assign things in R, but some people think the “=“ is sloppy coding</a:t>
@@ -4277,18 +4273,6 @@
               <a:rPr lang="en-US" dirty="0"/>
               <a:t>I also use &lt;- when writing functions</a:t>
             </a:r>
-          </a:p>
-          <a:p>
-            <a:endParaRPr lang="en-US" b="1" i="1" dirty="0"/>
-          </a:p>
-          <a:p>
-            <a:r>
-              <a:rPr lang="en-US" b="1" i="1" dirty="0"/>
-              <a:t>(switch to R console)</a:t>
-            </a:r>
-          </a:p>
-          <a:p>
-            <a:endParaRPr lang="en-US" dirty="0"/>
           </a:p>
         </p:txBody>
       </p:sp>
@@ -4363,15 +4347,6 @@
           <a:p>
             <a:r>
               <a:rPr lang="en-US" dirty="0"/>
-              <a:t>Functions are “called” using parentheses. A function is a set of commands that uses whatever “arguments” are inside the parentheses and does things (including possibly “returning” a result).</a:t>
-            </a:r>
-          </a:p>
-          <a:p>
-            <a:endParaRPr lang="en-US" dirty="0"/>
-          </a:p>
-          <a:p>
-            <a:r>
-              <a:rPr lang="en-US" dirty="0"/>
               <a:t>Functions (often written by others) are the fundamental backbone of the R environment. They will let us </a:t>
             </a:r>
             <a:r>
@@ -4384,6 +4359,18 @@
             </a:r>
           </a:p>
           <a:p>
+            <a:endParaRPr lang="en-US" dirty="0"/>
+          </a:p>
+          <a:p>
+            <a:r>
+              <a:rPr lang="en-US" dirty="0"/>
+              <a:t>Functions are “called” using parentheses. A function is a set of commands that uses whatever “arguments” are inside the parentheses and does things (including possibly “returning” a result).</a:t>
+            </a:r>
+          </a:p>
+          <a:p>
+            <a:pPr marL="0" indent="0">
+              <a:buNone/>
+            </a:pPr>
             <a:endParaRPr lang="en-US" dirty="0"/>
           </a:p>
           <a:p>
@@ -4553,7 +4540,7 @@
         <p:spPr/>
         <p:txBody>
           <a:bodyPr>
-            <a:normAutofit fontScale="92500" lnSpcReduction="10000"/>
+            <a:normAutofit lnSpcReduction="10000"/>
           </a:bodyPr>
           <a:lstStyle/>
           <a:p>
@@ -4602,20 +4589,6 @@
               </a:rPr>
               <a:t>https://www.statmethods.net/index.html</a:t>
             </a:r>
-            <a:endParaRPr lang="en-US" dirty="0"/>
-          </a:p>
-          <a:p>
-            <a:r>
-              <a:rPr lang="en-US" dirty="0"/>
-              <a:t>(</a:t>
-            </a:r>
-            <a:r>
-              <a:rPr lang="en-US" i="1" dirty="0"/>
-              <a:t>switch to console)</a:t>
-            </a:r>
-            <a:endParaRPr lang="en-US" dirty="0"/>
-          </a:p>
-          <a:p>
             <a:endParaRPr lang="en-US" dirty="0"/>
           </a:p>
           <a:p>
@@ -4688,7 +4661,7 @@
         <p:spPr/>
         <p:txBody>
           <a:bodyPr>
-            <a:normAutofit fontScale="62500" lnSpcReduction="20000"/>
+            <a:normAutofit fontScale="70000" lnSpcReduction="20000"/>
           </a:bodyPr>
           <a:lstStyle/>
           <a:p>
@@ -4716,28 +4689,9 @@
           </a:p>
           <a:p>
             <a:r>
-              <a:rPr lang="en-US" dirty="0"/>
-              <a:t>Most frequently used R packages by us:</a:t>
-            </a:r>
-          </a:p>
-          <a:p>
-            <a:r>
-              <a:rPr lang="en-US" i="1" dirty="0"/>
-              <a:t>Outside of R: </a:t>
-            </a:r>
-            <a:r>
-              <a:rPr lang="en-US" dirty="0" err="1"/>
-              <a:t>xcode</a:t>
-            </a:r>
-            <a:r>
-              <a:rPr lang="en-US" dirty="0"/>
-              <a:t> (mac only) – see </a:t>
-            </a:r>
-            <a:r>
-              <a:rPr lang="en-US" dirty="0" err="1"/>
-              <a:t>HappyGitWithR</a:t>
-            </a:r>
-            <a:endParaRPr lang="en-US" dirty="0"/>
+              <a:rPr lang="en-US" i="1" u="sng" dirty="0"/>
+              <a:t>Most frequently used R packages by us</a:t>
+            </a:r>
           </a:p>
           <a:p>
             <a:r>
@@ -5632,23 +5586,6 @@
             <a:r>
               <a:rPr lang="en-US" dirty="0"/>
               <a:t>$ (the dollar sign) is used to refer to a column within a data frame</a:t>
-            </a:r>
-          </a:p>
-          <a:p>
-            <a:endParaRPr lang="en-US" dirty="0"/>
-          </a:p>
-          <a:p>
-            <a:r>
-              <a:rPr lang="en-US" i="1" dirty="0"/>
-              <a:t>(switch to console - #</a:t>
-            </a:r>
-            <a:r>
-              <a:rPr lang="en-US" i="1" dirty="0" err="1"/>
-              <a:t>dataframes</a:t>
-            </a:r>
-            <a:r>
-              <a:rPr lang="en-US" i="1" dirty="0"/>
-              <a:t>)</a:t>
             </a:r>
           </a:p>
         </p:txBody>
